--- a/Dom分享/HTML DOM（css，event）.pptx
+++ b/Dom分享/HTML DOM（css，event）.pptx
@@ -10,10 +10,11 @@
     <p:sldId id="258" r:id="rId4"/>
     <p:sldId id="260" r:id="rId5"/>
     <p:sldId id="259" r:id="rId6"/>
-    <p:sldId id="265" r:id="rId7"/>
-    <p:sldId id="261" r:id="rId8"/>
-    <p:sldId id="262" r:id="rId9"/>
-    <p:sldId id="263" r:id="rId10"/>
+    <p:sldId id="266" r:id="rId7"/>
+    <p:sldId id="265" r:id="rId8"/>
+    <p:sldId id="261" r:id="rId9"/>
+    <p:sldId id="262" r:id="rId10"/>
+    <p:sldId id="263" r:id="rId11"/>
   </p:sldIdLst>
   <p:sldSz cx="9144000" cy="6858000" type="screen4x3"/>
   <p:notesSz cx="6858000" cy="9144000"/>
@@ -360,7 +361,7 @@
           <a:p>
             <a:fld id="{D4A8AA65-8033-45FA-BC42-0F5737EC2083}" type="datetimeFigureOut">
               <a:rPr lang="zh-CN" altLang="en-US" smtClean="0"/>
-              <a:t>2015-09-28</a:t>
+              <a:t>2015-10-10</a:t>
             </a:fld>
             <a:endParaRPr lang="zh-CN" altLang="en-US"/>
           </a:p>
@@ -525,7 +526,7 @@
           <a:p>
             <a:fld id="{D4A8AA65-8033-45FA-BC42-0F5737EC2083}" type="datetimeFigureOut">
               <a:rPr lang="zh-CN" altLang="en-US" smtClean="0"/>
-              <a:t>2015-09-28</a:t>
+              <a:t>2015-10-10</a:t>
             </a:fld>
             <a:endParaRPr lang="zh-CN" altLang="en-US"/>
           </a:p>
@@ -764,7 +765,7 @@
           <a:p>
             <a:fld id="{D4A8AA65-8033-45FA-BC42-0F5737EC2083}" type="datetimeFigureOut">
               <a:rPr lang="zh-CN" altLang="en-US" smtClean="0"/>
-              <a:t>2015-09-28</a:t>
+              <a:t>2015-10-10</a:t>
             </a:fld>
             <a:endParaRPr lang="zh-CN" altLang="en-US"/>
           </a:p>
@@ -998,7 +999,7 @@
           <a:p>
             <a:fld id="{D4A8AA65-8033-45FA-BC42-0F5737EC2083}" type="datetimeFigureOut">
               <a:rPr lang="zh-CN" altLang="en-US" smtClean="0"/>
-              <a:t>2015-09-28</a:t>
+              <a:t>2015-10-10</a:t>
             </a:fld>
             <a:endParaRPr lang="zh-CN" altLang="en-US"/>
           </a:p>
@@ -1337,7 +1338,7 @@
           <a:p>
             <a:fld id="{D4A8AA65-8033-45FA-BC42-0F5737EC2083}" type="datetimeFigureOut">
               <a:rPr lang="zh-CN" altLang="en-US" smtClean="0"/>
-              <a:t>2015-09-28</a:t>
+              <a:t>2015-10-10</a:t>
             </a:fld>
             <a:endParaRPr lang="zh-CN" altLang="en-US"/>
           </a:p>
@@ -1684,7 +1685,7 @@
           <a:p>
             <a:fld id="{D4A8AA65-8033-45FA-BC42-0F5737EC2083}" type="datetimeFigureOut">
               <a:rPr lang="zh-CN" altLang="en-US" smtClean="0"/>
-              <a:t>2015-09-28</a:t>
+              <a:t>2015-10-10</a:t>
             </a:fld>
             <a:endParaRPr lang="zh-CN" altLang="en-US"/>
           </a:p>
@@ -2245,7 +2246,7 @@
           <a:p>
             <a:fld id="{D4A8AA65-8033-45FA-BC42-0F5737EC2083}" type="datetimeFigureOut">
               <a:rPr lang="zh-CN" altLang="en-US" smtClean="0"/>
-              <a:t>2015-09-28</a:t>
+              <a:t>2015-10-10</a:t>
             </a:fld>
             <a:endParaRPr lang="zh-CN" altLang="en-US"/>
           </a:p>
@@ -2422,7 +2423,7 @@
           <a:p>
             <a:fld id="{D4A8AA65-8033-45FA-BC42-0F5737EC2083}" type="datetimeFigureOut">
               <a:rPr lang="zh-CN" altLang="en-US" smtClean="0"/>
-              <a:t>2015-09-28</a:t>
+              <a:t>2015-10-10</a:t>
             </a:fld>
             <a:endParaRPr lang="zh-CN" altLang="en-US"/>
           </a:p>
@@ -2517,7 +2518,7 @@
           <a:p>
             <a:fld id="{D4A8AA65-8033-45FA-BC42-0F5737EC2083}" type="datetimeFigureOut">
               <a:rPr lang="zh-CN" altLang="en-US" smtClean="0"/>
-              <a:t>2015-09-28</a:t>
+              <a:t>2015-10-10</a:t>
             </a:fld>
             <a:endParaRPr lang="zh-CN" altLang="en-US"/>
           </a:p>
@@ -2882,7 +2883,7 @@
           <a:p>
             <a:fld id="{D4A8AA65-8033-45FA-BC42-0F5737EC2083}" type="datetimeFigureOut">
               <a:rPr lang="zh-CN" altLang="en-US" smtClean="0"/>
-              <a:t>2015-09-28</a:t>
+              <a:t>2015-10-10</a:t>
             </a:fld>
             <a:endParaRPr lang="zh-CN" altLang="en-US"/>
           </a:p>
@@ -3226,7 +3227,7 @@
           <a:p>
             <a:fld id="{D4A8AA65-8033-45FA-BC42-0F5737EC2083}" type="datetimeFigureOut">
               <a:rPr lang="zh-CN" altLang="en-US" smtClean="0"/>
-              <a:t>2015-09-28</a:t>
+              <a:t>2015-10-10</a:t>
             </a:fld>
             <a:endParaRPr lang="zh-CN" altLang="en-US"/>
           </a:p>
@@ -3497,7 +3498,7 @@
           <a:p>
             <a:fld id="{D4A8AA65-8033-45FA-BC42-0F5737EC2083}" type="datetimeFigureOut">
               <a:rPr lang="zh-CN" altLang="en-US" smtClean="0"/>
-              <a:t>2015-09-28</a:t>
+              <a:t>2015-10-10</a:t>
             </a:fld>
             <a:endParaRPr lang="zh-CN" altLang="en-US"/>
           </a:p>
@@ -4087,6 +4088,104 @@
 </p:sld>
 </file>
 
+<file path=ppt/slides/slide10.xml><?xml version="1.0" encoding="utf-8"?>
+<p:sld xmlns:a="http://schemas.openxmlformats.org/drawingml/2006/main" xmlns:r="http://schemas.openxmlformats.org/officeDocument/2006/relationships" xmlns:p="http://schemas.openxmlformats.org/presentationml/2006/main">
+  <p:cSld>
+    <p:spTree>
+      <p:nvGrpSpPr>
+        <p:cNvPr id="1" name=""/>
+        <p:cNvGrpSpPr/>
+        <p:nvPr/>
+      </p:nvGrpSpPr>
+      <p:grpSpPr>
+        <a:xfrm>
+          <a:off x="0" y="0"/>
+          <a:ext cx="0" cy="0"/>
+          <a:chOff x="0" y="0"/>
+          <a:chExt cx="0" cy="0"/>
+        </a:xfrm>
+      </p:grpSpPr>
+      <p:sp>
+        <p:nvSpPr>
+          <p:cNvPr id="2" name="标题 1"/>
+          <p:cNvSpPr>
+            <a:spLocks noGrp="1"/>
+          </p:cNvSpPr>
+          <p:nvPr>
+            <p:ph type="title"/>
+          </p:nvPr>
+        </p:nvSpPr>
+        <p:spPr/>
+        <p:txBody>
+          <a:bodyPr/>
+          <a:lstStyle/>
+          <a:p>
+            <a:r>
+              <a:rPr lang="zh-CN" altLang="en-US" dirty="0" smtClean="0"/>
+              <a:t>键盘事件</a:t>
+            </a:r>
+            <a:endParaRPr lang="zh-CN" altLang="en-US" dirty="0"/>
+          </a:p>
+        </p:txBody>
+      </p:sp>
+      <p:sp>
+        <p:nvSpPr>
+          <p:cNvPr id="3" name="内容占位符 2"/>
+          <p:cNvSpPr>
+            <a:spLocks noGrp="1"/>
+          </p:cNvSpPr>
+          <p:nvPr>
+            <p:ph idx="1"/>
+          </p:nvPr>
+        </p:nvSpPr>
+        <p:spPr/>
+        <p:txBody>
+          <a:bodyPr/>
+          <a:lstStyle/>
+          <a:p>
+            <a:r>
+              <a:rPr lang="en-US" altLang="zh-CN" dirty="0" err="1"/>
+              <a:t>k</a:t>
+            </a:r>
+            <a:r>
+              <a:rPr lang="en-US" altLang="zh-CN" dirty="0" err="1" smtClean="0"/>
+              <a:t>eyup</a:t>
+            </a:r>
+            <a:r>
+              <a:rPr lang="zh-CN" altLang="en-US" dirty="0" smtClean="0"/>
+              <a:t>，</a:t>
+            </a:r>
+            <a:r>
+              <a:rPr lang="en-US" altLang="zh-CN" dirty="0" err="1" smtClean="0"/>
+              <a:t>keydown</a:t>
+            </a:r>
+            <a:endParaRPr lang="en-US" altLang="zh-CN" dirty="0" smtClean="0"/>
+          </a:p>
+          <a:p>
+            <a:endParaRPr lang="zh-CN" altLang="en-US" dirty="0"/>
+          </a:p>
+        </p:txBody>
+      </p:sp>
+    </p:spTree>
+    <p:extLst>
+      <p:ext uri="{BB962C8B-B14F-4D97-AF65-F5344CB8AC3E}">
+        <p14:creationId xmlns:p14="http://schemas.microsoft.com/office/powerpoint/2010/main" val="4270918683"/>
+      </p:ext>
+    </p:extLst>
+  </p:cSld>
+  <p:clrMapOvr>
+    <a:masterClrMapping/>
+  </p:clrMapOvr>
+  <p:timing>
+    <p:tnLst>
+      <p:par>
+        <p:cTn id="1" dur="indefinite" restart="never" nodeType="tmRoot"/>
+      </p:par>
+    </p:tnLst>
+  </p:timing>
+</p:sld>
+</file>
+
 <file path=ppt/slides/slide2.xml><?xml version="1.0" encoding="utf-8"?>
 <p:sld xmlns:a="http://schemas.openxmlformats.org/drawingml/2006/main" xmlns:r="http://schemas.openxmlformats.org/officeDocument/2006/relationships" xmlns:p="http://schemas.openxmlformats.org/presentationml/2006/main">
   <p:cSld>
@@ -5983,6 +6082,113 @@
           <a:lstStyle/>
           <a:p>
             <a:r>
+              <a:rPr lang="zh-CN" altLang="en-US" dirty="0" smtClean="0"/>
+              <a:t>优化</a:t>
+            </a:r>
+            <a:endParaRPr lang="zh-CN" altLang="en-US" dirty="0"/>
+          </a:p>
+        </p:txBody>
+      </p:sp>
+      <p:sp>
+        <p:nvSpPr>
+          <p:cNvPr id="3" name="内容占位符 2"/>
+          <p:cNvSpPr>
+            <a:spLocks noGrp="1"/>
+          </p:cNvSpPr>
+          <p:nvPr>
+            <p:ph idx="1"/>
+          </p:nvPr>
+        </p:nvSpPr>
+        <p:spPr/>
+        <p:txBody>
+          <a:bodyPr/>
+          <a:lstStyle/>
+          <a:p>
+            <a:pPr marL="0" indent="0">
+              <a:buNone/>
+            </a:pPr>
+            <a:r>
+              <a:rPr lang="en-US" altLang="zh-CN" dirty="0" smtClean="0"/>
+              <a:t>Why</a:t>
+            </a:r>
+            <a:r>
+              <a:rPr lang="zh-CN" altLang="en-US" dirty="0" smtClean="0"/>
+              <a:t>：</a:t>
+            </a:r>
+            <a:r>
+              <a:rPr lang="en-US" altLang="zh-CN" dirty="0" smtClean="0"/>
+              <a:t>JS</a:t>
+            </a:r>
+            <a:r>
+              <a:rPr lang="zh-CN" altLang="en-US" dirty="0" smtClean="0"/>
+              <a:t>修改</a:t>
+            </a:r>
+            <a:r>
+              <a:rPr lang="en-US" altLang="zh-CN" dirty="0" smtClean="0"/>
+              <a:t>DOM</a:t>
+            </a:r>
+            <a:r>
+              <a:rPr lang="zh-CN" altLang="en-US" dirty="0" smtClean="0"/>
+              <a:t>树需要重新构建</a:t>
+            </a:r>
+            <a:r>
+              <a:rPr lang="en-US" altLang="zh-CN" dirty="0" smtClean="0"/>
+              <a:t>DOM</a:t>
+            </a:r>
+            <a:r>
+              <a:rPr lang="zh-CN" altLang="en-US" dirty="0" smtClean="0"/>
+              <a:t>树，阻塞其他的下载和呈现。</a:t>
+            </a:r>
+            <a:endParaRPr lang="zh-CN" altLang="en-US" dirty="0"/>
+          </a:p>
+        </p:txBody>
+      </p:sp>
+    </p:spTree>
+    <p:extLst>
+      <p:ext uri="{BB962C8B-B14F-4D97-AF65-F5344CB8AC3E}">
+        <p14:creationId xmlns:p14="http://schemas.microsoft.com/office/powerpoint/2010/main" val="2472665196"/>
+      </p:ext>
+    </p:extLst>
+  </p:cSld>
+  <p:clrMapOvr>
+    <a:masterClrMapping/>
+  </p:clrMapOvr>
+</p:sld>
+</file>
+
+<file path=ppt/slides/slide7.xml><?xml version="1.0" encoding="utf-8"?>
+<p:sld xmlns:a="http://schemas.openxmlformats.org/drawingml/2006/main" xmlns:r="http://schemas.openxmlformats.org/officeDocument/2006/relationships" xmlns:p="http://schemas.openxmlformats.org/presentationml/2006/main">
+  <p:cSld>
+    <p:spTree>
+      <p:nvGrpSpPr>
+        <p:cNvPr id="1" name=""/>
+        <p:cNvGrpSpPr/>
+        <p:nvPr/>
+      </p:nvGrpSpPr>
+      <p:grpSpPr>
+        <a:xfrm>
+          <a:off x="0" y="0"/>
+          <a:ext cx="0" cy="0"/>
+          <a:chOff x="0" y="0"/>
+          <a:chExt cx="0" cy="0"/>
+        </a:xfrm>
+      </p:grpSpPr>
+      <p:sp>
+        <p:nvSpPr>
+          <p:cNvPr id="2" name="标题 1"/>
+          <p:cNvSpPr>
+            <a:spLocks noGrp="1"/>
+          </p:cNvSpPr>
+          <p:nvPr>
+            <p:ph type="title"/>
+          </p:nvPr>
+        </p:nvSpPr>
+        <p:spPr/>
+        <p:txBody>
+          <a:bodyPr/>
+          <a:lstStyle/>
+          <a:p>
+            <a:r>
               <a:rPr lang="en-US" altLang="zh-CN" dirty="0" smtClean="0"/>
               <a:t>Event</a:t>
             </a:r>
@@ -6139,7 +6345,7 @@
 </p:sld>
 </file>
 
-<file path=ppt/slides/slide7.xml><?xml version="1.0" encoding="utf-8"?>
+<file path=ppt/slides/slide8.xml><?xml version="1.0" encoding="utf-8"?>
 <p:sld xmlns:a="http://schemas.openxmlformats.org/drawingml/2006/main" xmlns:r="http://schemas.openxmlformats.org/officeDocument/2006/relationships" xmlns:p="http://schemas.openxmlformats.org/presentationml/2006/main">
   <p:cSld>
     <p:spTree>
@@ -6305,10 +6511,9 @@
               <a:t>，</a:t>
             </a:r>
             <a:r>
-              <a:rPr lang="en-US" altLang="zh-CN" smtClean="0"/>
+              <a:rPr lang="en-US" altLang="zh-CN" dirty="0" smtClean="0"/>
               <a:t>blur</a:t>
             </a:r>
-            <a:endParaRPr lang="en-US" altLang="zh-CN" dirty="0" smtClean="0"/>
           </a:p>
         </p:txBody>
       </p:sp>
@@ -6742,7 +6947,7 @@
 </p:sld>
 </file>
 
-<file path=ppt/slides/slide8.xml><?xml version="1.0" encoding="utf-8"?>
+<file path=ppt/slides/slide9.xml><?xml version="1.0" encoding="utf-8"?>
 <p:sld xmlns:a="http://schemas.openxmlformats.org/drawingml/2006/main" xmlns:r="http://schemas.openxmlformats.org/officeDocument/2006/relationships" xmlns:p="http://schemas.openxmlformats.org/presentationml/2006/main">
   <p:cSld>
     <p:spTree>
@@ -7188,104 +7393,6 @@
       <p:bldP spid="4" grpId="0"/>
       <p:bldP spid="5" grpId="0"/>
     </p:bldLst>
-  </p:timing>
-</p:sld>
-</file>
-
-<file path=ppt/slides/slide9.xml><?xml version="1.0" encoding="utf-8"?>
-<p:sld xmlns:a="http://schemas.openxmlformats.org/drawingml/2006/main" xmlns:r="http://schemas.openxmlformats.org/officeDocument/2006/relationships" xmlns:p="http://schemas.openxmlformats.org/presentationml/2006/main">
-  <p:cSld>
-    <p:spTree>
-      <p:nvGrpSpPr>
-        <p:cNvPr id="1" name=""/>
-        <p:cNvGrpSpPr/>
-        <p:nvPr/>
-      </p:nvGrpSpPr>
-      <p:grpSpPr>
-        <a:xfrm>
-          <a:off x="0" y="0"/>
-          <a:ext cx="0" cy="0"/>
-          <a:chOff x="0" y="0"/>
-          <a:chExt cx="0" cy="0"/>
-        </a:xfrm>
-      </p:grpSpPr>
-      <p:sp>
-        <p:nvSpPr>
-          <p:cNvPr id="2" name="标题 1"/>
-          <p:cNvSpPr>
-            <a:spLocks noGrp="1"/>
-          </p:cNvSpPr>
-          <p:nvPr>
-            <p:ph type="title"/>
-          </p:nvPr>
-        </p:nvSpPr>
-        <p:spPr/>
-        <p:txBody>
-          <a:bodyPr/>
-          <a:lstStyle/>
-          <a:p>
-            <a:r>
-              <a:rPr lang="zh-CN" altLang="en-US" dirty="0" smtClean="0"/>
-              <a:t>键盘事件</a:t>
-            </a:r>
-            <a:endParaRPr lang="zh-CN" altLang="en-US" dirty="0"/>
-          </a:p>
-        </p:txBody>
-      </p:sp>
-      <p:sp>
-        <p:nvSpPr>
-          <p:cNvPr id="3" name="内容占位符 2"/>
-          <p:cNvSpPr>
-            <a:spLocks noGrp="1"/>
-          </p:cNvSpPr>
-          <p:nvPr>
-            <p:ph idx="1"/>
-          </p:nvPr>
-        </p:nvSpPr>
-        <p:spPr/>
-        <p:txBody>
-          <a:bodyPr/>
-          <a:lstStyle/>
-          <a:p>
-            <a:r>
-              <a:rPr lang="en-US" altLang="zh-CN" dirty="0" err="1"/>
-              <a:t>k</a:t>
-            </a:r>
-            <a:r>
-              <a:rPr lang="en-US" altLang="zh-CN" dirty="0" err="1" smtClean="0"/>
-              <a:t>eyup</a:t>
-            </a:r>
-            <a:r>
-              <a:rPr lang="zh-CN" altLang="en-US" dirty="0" smtClean="0"/>
-              <a:t>，</a:t>
-            </a:r>
-            <a:r>
-              <a:rPr lang="en-US" altLang="zh-CN" dirty="0" err="1" smtClean="0"/>
-              <a:t>keydown</a:t>
-            </a:r>
-            <a:endParaRPr lang="en-US" altLang="zh-CN" dirty="0" smtClean="0"/>
-          </a:p>
-          <a:p>
-            <a:endParaRPr lang="zh-CN" altLang="en-US" dirty="0"/>
-          </a:p>
-        </p:txBody>
-      </p:sp>
-    </p:spTree>
-    <p:extLst>
-      <p:ext uri="{BB962C8B-B14F-4D97-AF65-F5344CB8AC3E}">
-        <p14:creationId xmlns:p14="http://schemas.microsoft.com/office/powerpoint/2010/main" val="4270918683"/>
-      </p:ext>
-    </p:extLst>
-  </p:cSld>
-  <p:clrMapOvr>
-    <a:masterClrMapping/>
-  </p:clrMapOvr>
-  <p:timing>
-    <p:tnLst>
-      <p:par>
-        <p:cTn id="1" dur="indefinite" restart="never" nodeType="tmRoot"/>
-      </p:par>
-    </p:tnLst>
   </p:timing>
 </p:sld>
 </file>
